--- a/slides/08-26-Introduction.pptx
+++ b/slides/08-26-Introduction.pptx
@@ -18,8 +18,6 @@
     <p:sldId id="263" r:id="rId15"/>
     <p:sldId id="264" r:id="rId16"/>
     <p:sldId id="265" r:id="rId17"/>
-    <p:sldId id="266" r:id="rId18"/>
-    <p:sldId id="267" r:id="rId19"/>
   </p:sldIdLst>
   <p:sldSz cx="24384000" cy="13716000"/>
   <p:notesSz cx="6858000" cy="9144000"/>
@@ -3695,7 +3693,7 @@
       </p:grpSpPr>
       <p:sp>
         <p:nvSpPr>
-          <p:cNvPr id="178" name="8/22/2022"/>
+          <p:cNvPr id="178" name="8/26/2024"/>
           <p:cNvSpPr txBox="1"/>
           <p:nvPr>
             <p:ph type="title"/>
@@ -3712,7 +3710,7 @@
           <a:p>
             <a:pPr/>
             <a:r>
-              <a:t>8/22/2022</a:t>
+              <a:t>8/26/2024</a:t>
             </a:r>
           </a:p>
         </p:txBody>
@@ -3791,199 +3789,9 @@
           <a:chExt cx="0" cy="0"/>
         </a:xfrm>
       </p:grpSpPr>
-      <p:pic>
-        <p:nvPicPr>
-          <p:cNvPr id="209" name="Image" descr="Image"/>
-          <p:cNvPicPr>
-            <a:picLocks noChangeAspect="1"/>
-          </p:cNvPicPr>
-          <p:nvPr>
-            <p:ph type="pic" idx="21"/>
-          </p:nvPr>
-        </p:nvPicPr>
-        <p:blipFill>
-          <a:blip r:embed="rId2">
-            <a:extLst/>
-          </a:blip>
-          <a:srcRect l="18473" t="0" r="18473" b="0"/>
-          <a:stretch>
-            <a:fillRect/>
-          </a:stretch>
-        </p:blipFill>
-        <p:spPr>
-          <a:xfrm>
-            <a:off x="0" y="-243"/>
-            <a:ext cx="11638256" cy="13716516"/>
-          </a:xfrm>
-          <a:prstGeom prst="rect">
-            <a:avLst/>
-          </a:prstGeom>
-        </p:spPr>
-      </p:pic>
       <p:sp>
         <p:nvSpPr>
-          <p:cNvPr id="210" name="Click on “My Drive” and then “Add Shortcut”…"/>
-          <p:cNvSpPr txBox="1"/>
-          <p:nvPr>
-            <p:ph type="body" idx="1"/>
-          </p:nvPr>
-        </p:nvSpPr>
-        <p:spPr>
-          <a:xfrm>
-            <a:off x="11689561" y="-243"/>
-            <a:ext cx="12700001" cy="13716001"/>
-          </a:xfrm>
-          <a:prstGeom prst="rect">
-            <a:avLst/>
-          </a:prstGeom>
-        </p:spPr>
-        <p:txBody>
-          <a:bodyPr/>
-          <a:lstStyle/>
-          <a:p>
-            <a:pPr/>
-            <a:r>
-              <a:t>Click on “My Drive” and then “Add Shortcut”</a:t>
-            </a:r>
-          </a:p>
-          <a:p>
-            <a:pPr/>
-            <a:r>
-              <a:t>There should be a small popup that says “Shortcut added to My Drive”</a:t>
-            </a:r>
-          </a:p>
-        </p:txBody>
-      </p:sp>
-    </p:spTree>
-  </p:cSld>
-  <p:clrMapOvr>
-    <a:masterClrMapping/>
-  </p:clrMapOvr>
-  <p:transition xmlns:p14="http://schemas.microsoft.com/office/powerpoint/2010/main" spd="med" advClick="1"/>
-</p:sld>
-</file>
-
-<file path=ppt/slides/slide11.xml><?xml version="1.0" encoding="utf-8"?>
-<p:sld xmlns:a="http://schemas.openxmlformats.org/drawingml/2006/main" xmlns:r="http://schemas.openxmlformats.org/officeDocument/2006/relationships" xmlns:p="http://schemas.openxmlformats.org/presentationml/2006/main" xmlns:m="http://schemas.openxmlformats.org/officeDocument/2006/math" xmlns:a14="http://schemas.microsoft.com/office/drawing/2010/main" showMasterSp="1" showMasterPhAnim="1">
-  <p:cSld>
-    <p:spTree>
-      <p:nvGrpSpPr>
-        <p:cNvPr id="1" name=""/>
-        <p:cNvGrpSpPr/>
-        <p:nvPr/>
-      </p:nvGrpSpPr>
-      <p:grpSpPr>
-        <a:xfrm>
-          <a:off x="0" y="0"/>
-          <a:ext cx="0" cy="0"/>
-          <a:chOff x="0" y="0"/>
-          <a:chExt cx="0" cy="0"/>
-        </a:xfrm>
-      </p:grpSpPr>
-      <p:pic>
-        <p:nvPicPr>
-          <p:cNvPr id="212" name="Image" descr="Image"/>
-          <p:cNvPicPr>
-            <a:picLocks noChangeAspect="1"/>
-          </p:cNvPicPr>
-          <p:nvPr>
-            <p:ph type="pic" idx="21"/>
-          </p:nvPr>
-        </p:nvPicPr>
-        <p:blipFill>
-          <a:blip r:embed="rId2">
-            <a:extLst/>
-          </a:blip>
-          <a:srcRect l="18473" t="0" r="18473" b="12065"/>
-          <a:stretch>
-            <a:fillRect/>
-          </a:stretch>
-        </p:blipFill>
-        <p:spPr>
-          <a:xfrm>
-            <a:off x="0" y="-243"/>
-            <a:ext cx="11638256" cy="12061541"/>
-          </a:xfrm>
-          <a:prstGeom prst="rect">
-            <a:avLst/>
-          </a:prstGeom>
-        </p:spPr>
-      </p:pic>
-      <p:sp>
-        <p:nvSpPr>
-          <p:cNvPr id="213" name="Now navigate to “My Drive”…"/>
-          <p:cNvSpPr txBox="1"/>
-          <p:nvPr>
-            <p:ph type="body" idx="1"/>
-          </p:nvPr>
-        </p:nvSpPr>
-        <p:spPr>
-          <a:xfrm>
-            <a:off x="11689561" y="-243"/>
-            <a:ext cx="12700001" cy="13716001"/>
-          </a:xfrm>
-          <a:prstGeom prst="rect">
-            <a:avLst/>
-          </a:prstGeom>
-        </p:spPr>
-        <p:txBody>
-          <a:bodyPr/>
-          <a:lstStyle/>
-          <a:p>
-            <a:pPr/>
-            <a:r>
-              <a:t>Now navigate to “My Drive”</a:t>
-            </a:r>
-          </a:p>
-          <a:p>
-            <a:pPr/>
-            <a:r>
-              <a:t>Find the shortcut to the folder.</a:t>
-            </a:r>
-          </a:p>
-          <a:p>
-            <a:pPr/>
-            <a:r>
-              <a:t>Right click on the shortcut and select  “Rename”</a:t>
-            </a:r>
-          </a:p>
-          <a:p>
-            <a:pPr/>
-            <a:r>
-              <a:t>Rename the shortcut to “Chem456-2022F”. This is where the labs expect your data to be. If you do not take this step, you will have to do more work to change the labs later in the semester.</a:t>
-            </a:r>
-          </a:p>
-        </p:txBody>
-      </p:sp>
-    </p:spTree>
-  </p:cSld>
-  <p:clrMapOvr>
-    <a:masterClrMapping/>
-  </p:clrMapOvr>
-  <p:transition xmlns:p14="http://schemas.microsoft.com/office/powerpoint/2010/main" spd="med" advClick="1"/>
-</p:sld>
-</file>
-
-<file path=ppt/slides/slide12.xml><?xml version="1.0" encoding="utf-8"?>
-<p:sld xmlns:a="http://schemas.openxmlformats.org/drawingml/2006/main" xmlns:r="http://schemas.openxmlformats.org/officeDocument/2006/relationships" xmlns:p="http://schemas.openxmlformats.org/presentationml/2006/main" xmlns:m="http://schemas.openxmlformats.org/officeDocument/2006/math" xmlns:a14="http://schemas.microsoft.com/office/drawing/2010/main" showMasterSp="1" showMasterPhAnim="1">
-  <p:cSld>
-    <p:spTree>
-      <p:nvGrpSpPr>
-        <p:cNvPr id="1" name=""/>
-        <p:cNvGrpSpPr/>
-        <p:nvPr/>
-      </p:nvGrpSpPr>
-      <p:grpSpPr>
-        <a:xfrm>
-          <a:off x="0" y="0"/>
-          <a:ext cx="0" cy="0"/>
-          <a:chOff x="0" y="0"/>
-          <a:chExt cx="0" cy="0"/>
-        </a:xfrm>
-      </p:grpSpPr>
-      <p:sp>
-        <p:nvSpPr>
-          <p:cNvPr id="215" name="Exercise 1: Introduction to Google Colab"/>
+          <p:cNvPr id="209" name="Exercise 1: Introduction to Google Colab"/>
           <p:cNvSpPr txBox="1"/>
           <p:nvPr>
             <p:ph type="title"/>
@@ -3991,8 +3799,8 @@
         </p:nvSpPr>
         <p:spPr>
           <a:xfrm>
-            <a:off x="4833937" y="3814823"/>
-            <a:ext cx="14716126" cy="4643438"/>
+            <a:off x="4833937" y="77129"/>
+            <a:ext cx="14716126" cy="4643439"/>
           </a:xfrm>
           <a:prstGeom prst="rect">
             <a:avLst/>
@@ -4015,14 +3823,14 @@
       </p:sp>
       <p:sp>
         <p:nvSpPr>
-          <p:cNvPr id="216" name="colab"/>
+          <p:cNvPr id="210" name="https://colab.research.google.com/github/daveminh/Chem456-2024F/blob/main/exercises/01-Google_Colab.ipynb"/>
           <p:cNvSpPr txBox="1"/>
           <p:nvPr/>
         </p:nvSpPr>
         <p:spPr>
           <a:xfrm>
-            <a:off x="11320144" y="8615301"/>
-            <a:ext cx="1743711" cy="904876"/>
+            <a:off x="726757" y="4496607"/>
+            <a:ext cx="22930486" cy="1666876"/>
           </a:xfrm>
           <a:prstGeom prst="rect">
             <a:avLst/>
@@ -4055,7 +3863,113 @@
               <a:rPr u="sng">
                 <a:hlinkClick r:id="rId2" invalidUrl="" action="" tgtFrame="" tooltip="" history="1" highlightClick="0" endSnd="0"/>
               </a:rPr>
-              <a:t>colab</a:t>
+              <a:t>https://colab.research.google.com/github/daveminh/Chem456-2024F/blob/main/exercises/01-Google_Colab.ipynb</a:t>
+            </a:r>
+          </a:p>
+        </p:txBody>
+      </p:sp>
+      <p:pic>
+        <p:nvPicPr>
+          <p:cNvPr id="211" name="pasted-movie.png" descr="pasted-movie.png"/>
+          <p:cNvPicPr>
+            <a:picLocks noChangeAspect="1"/>
+          </p:cNvPicPr>
+          <p:nvPr/>
+        </p:nvPicPr>
+        <p:blipFill>
+          <a:blip r:embed="rId3">
+            <a:extLst/>
+          </a:blip>
+          <a:stretch>
+            <a:fillRect/>
+          </a:stretch>
+        </p:blipFill>
+        <p:spPr>
+          <a:xfrm>
+            <a:off x="1076924" y="6460783"/>
+            <a:ext cx="5092701" cy="6235701"/>
+          </a:xfrm>
+          <a:prstGeom prst="rect">
+            <a:avLst/>
+          </a:prstGeom>
+          <a:ln w="12700">
+            <a:miter lim="400000"/>
+          </a:ln>
+        </p:spPr>
+      </p:pic>
+      <p:sp>
+        <p:nvSpPr>
+          <p:cNvPr id="212" name="After following this link, you should…"/>
+          <p:cNvSpPr txBox="1"/>
+          <p:nvPr>
+            <p:ph type="body" sz="half" idx="4294967295"/>
+          </p:nvPr>
+        </p:nvSpPr>
+        <p:spPr>
+          <a:xfrm>
+            <a:off x="7241118" y="6581145"/>
+            <a:ext cx="17148444" cy="7134613"/>
+          </a:xfrm>
+          <a:prstGeom prst="rect">
+            <a:avLst/>
+          </a:prstGeom>
+        </p:spPr>
+        <p:txBody>
+          <a:bodyPr/>
+          <a:lstStyle/>
+          <a:p>
+            <a:pPr marL="465364" indent="-465364">
+              <a:spcBef>
+                <a:spcPts val="4500"/>
+              </a:spcBef>
+              <a:defRPr sz="3800"/>
+            </a:pPr>
+            <a:r>
+              <a:t>After following this link, you should </a:t>
+            </a:r>
+          </a:p>
+          <a:p>
+            <a:pPr lvl="1" marL="808264" indent="-465364">
+              <a:spcBef>
+                <a:spcPts val="4500"/>
+              </a:spcBef>
+              <a:defRPr sz="3800"/>
+            </a:pPr>
+            <a:r>
+              <a:t>save a copy of the notebook to Google Drive</a:t>
+            </a:r>
+          </a:p>
+          <a:p>
+            <a:pPr lvl="1" marL="808264" indent="-465364">
+              <a:spcBef>
+                <a:spcPts val="4500"/>
+              </a:spcBef>
+              <a:defRPr sz="3800"/>
+            </a:pPr>
+            <a:r>
+              <a:t>rename it to 01-Google_Colab.ipynb</a:t>
+            </a:r>
+          </a:p>
+          <a:p>
+            <a:pPr lvl="1" marL="808264" indent="-465364">
+              <a:spcBef>
+                <a:spcPts val="4500"/>
+              </a:spcBef>
+              <a:defRPr sz="3800"/>
+            </a:pPr>
+            <a:r>
+              <a:t>move it to your class folder under the “exercises” folder</a:t>
+            </a:r>
+          </a:p>
+          <a:p>
+            <a:pPr lvl="1" marL="808264" indent="-465364">
+              <a:spcBef>
+                <a:spcPts val="4500"/>
+              </a:spcBef>
+              <a:defRPr sz="3800"/>
+            </a:pPr>
+            <a:r>
+              <a:t>work on and save the notebook</a:t>
             </a:r>
           </a:p>
         </p:txBody>
@@ -4159,7 +4073,7 @@
           <a:p>
             <a:pPr/>
             <a:r>
-              <a:t>2022: In the Spring, I work with four students to run the workshop in Colombia. We migrate the labs to Google Colab.</a:t>
+              <a:t>2022: In the Spring, I work with four students to run the workshop in Colombia. We migrate the labs to Google Colab. I teach this class in the Fall.</a:t>
             </a:r>
           </a:p>
         </p:txBody>
@@ -4532,8 +4446,8 @@
       </p:par>
     </p:tnLst>
     <p:bldLst>
+      <p:bldP build="p" bldLvl="5" animBg="1" rev="0" advAuto="0" spid="182" grpId="1"/>
       <p:bldP build="whole" bldLvl="1" animBg="1" rev="0" advAuto="0" spid="183" grpId="2"/>
-      <p:bldP build="p" bldLvl="5" animBg="1" rev="0" advAuto="0" spid="182" grpId="1"/>
     </p:bldLst>
   </p:timing>
 </p:sld>
@@ -4582,7 +4496,7 @@
       </p:sp>
       <p:sp>
         <p:nvSpPr>
-          <p:cNvPr id="186" name="https://daveminh.github.io/Chem456-2022F/"/>
+          <p:cNvPr id="186" name="https://daveminh.github.io/Chem456-2024F/"/>
           <p:cNvSpPr txBox="1"/>
           <p:nvPr>
             <p:ph type="subTitle" sz="quarter" idx="1"/>
@@ -4597,13 +4511,20 @@
           <a:bodyPr/>
           <a:lstStyle>
             <a:lvl1pPr>
-              <a:defRPr sz="5000"/>
+              <a:defRPr sz="5000" u="sng">
+                <a:hlinkClick r:id="rId2" invalidUrl="" action="" tgtFrame="" tooltip="" history="1" highlightClick="0" endSnd="0"/>
+              </a:defRPr>
             </a:lvl1pPr>
           </a:lstStyle>
           <a:p>
-            <a:pPr/>
-            <a:r>
-              <a:t>https://daveminh.github.io/Chem456-2022F/</a:t>
+            <a:pPr>
+              <a:defRPr u="none"/>
+            </a:pPr>
+            <a:r>
+              <a:rPr u="sng">
+                <a:hlinkClick r:id="rId2" invalidUrl="" action="" tgtFrame="" tooltip="" history="1" highlightClick="0" endSnd="0"/>
+              </a:rPr>
+              <a:t>https://daveminh.github.io/Chem456-2024F/</a:t>
             </a:r>
           </a:p>
         </p:txBody>
@@ -5328,113 +5249,91 @@
           <a:bodyPr lIns="50800" tIns="50800" rIns="50800" bIns="50800" numCol="2" spcCol="1155700"/>
           <a:lstStyle/>
           <a:p>
-            <a:pPr marL="580319" indent="-580319" defTabSz="772239">
-              <a:defRPr sz="4700"/>
-            </a:pPr>
+            <a:pPr/>
             <a:r>
               <a:t>Outside of work, I like to</a:t>
             </a:r>
           </a:p>
           <a:p>
-            <a:pPr lvl="1" marL="998149" indent="-580319" defTabSz="772239">
-              <a:defRPr sz="4700"/>
-            </a:pPr>
-            <a:r>
-              <a:t>play chess and other board games, especially strategy and word games.</a:t>
-            </a:r>
-          </a:p>
-          <a:p>
-            <a:pPr lvl="1" marL="998149" indent="-580319" defTabSz="772239">
-              <a:defRPr sz="4700"/>
-            </a:pPr>
-            <a:r>
-              <a:t>play music, especially classical piano. Sometimes I also play guitar and bass.</a:t>
-            </a:r>
-          </a:p>
-          <a:p>
-            <a:pPr lvl="1" marL="998149" indent="-580319" defTabSz="772239">
-              <a:defRPr sz="4700"/>
-            </a:pPr>
-            <a:r>
-              <a:t>listen to podcasts and audiobooks. Some of my favorite podcasts are Hidden Brain, Planet Money, and Invisibilia from NPR, and Revisionist History by Malcolm Gladwell.</a:t>
-            </a:r>
-          </a:p>
-          <a:p>
-            <a:pPr lvl="1" marL="998149" indent="-580319" defTabSz="772239">
-              <a:defRPr sz="4700"/>
-            </a:pPr>
+            <a:pPr lvl="1"/>
+            <a:r>
+              <a:t>play sports, especially Taekwondo, tennis, and basketball</a:t>
+            </a:r>
+          </a:p>
+          <a:p>
+            <a:pPr lvl="1"/>
+            <a:r>
+              <a:t>play chess and other games, especially strategy and word games</a:t>
+            </a:r>
+          </a:p>
+          <a:p>
+            <a:pPr lvl="1"/>
             <a:r>
               <a:t>read news and sometimes books</a:t>
             </a:r>
           </a:p>
           <a:p>
-            <a:pPr lvl="1" marL="998149" indent="-580319" defTabSz="772239">
-              <a:defRPr sz="4700"/>
-            </a:pPr>
-            <a:r>
-              <a:t>play video games with my kids, especially on Nintendo Switch</a:t>
-            </a:r>
-          </a:p>
-          <a:p>
-            <a:pPr lvl="1" marL="998149" indent="-580319" defTabSz="772239">
-              <a:defRPr sz="4700"/>
-            </a:pPr>
-            <a:r>
-              <a:t>play sports, especially Taekwondo, tennis, and basketball. I also like hockey but haven’t played in a while.</a:t>
-            </a:r>
-          </a:p>
-          <a:p>
-            <a:pPr lvl="1" marL="998149" indent="-580319" defTabSz="772239">
-              <a:defRPr sz="4700"/>
-            </a:pPr>
-            <a:r>
-              <a:t>exercise, especially weights, swimming, biking, and skiing</a:t>
-            </a:r>
-          </a:p>
-          <a:p>
-            <a:pPr lvl="1" marL="998149" indent="-580319" defTabSz="772239">
-              <a:defRPr sz="4700"/>
-            </a:pPr>
+            <a:pPr lvl="1"/>
+            <a:r>
+              <a:t>listen to podcasts and audiobooks. Some of my favorite podcasts are Hidden Brain and Planet Money.</a:t>
+            </a:r>
+          </a:p>
+          <a:p>
+            <a:pPr lvl="1"/>
             <a:r>
               <a:t>travel. I’ve been to 6 continents</a:t>
             </a:r>
           </a:p>
           <a:p>
-            <a:pPr marL="580319" indent="-580319" defTabSz="772239">
-              <a:defRPr sz="4700"/>
-            </a:pPr>
+            <a:pPr/>
+          </a:p>
+          <a:p>
+            <a:pPr/>
+            <a:r>
+              <a:t>I used to, but now not as often,</a:t>
+            </a:r>
+          </a:p>
+          <a:p>
+            <a:pPr lvl="1"/>
+            <a:r>
+              <a:t>play music</a:t>
+            </a:r>
+          </a:p>
+          <a:p>
+            <a:pPr lvl="1"/>
+            <a:r>
+              <a:t>play video games with my kids</a:t>
+            </a:r>
+          </a:p>
+          <a:p>
+            <a:pPr/>
+          </a:p>
+          <a:p>
+            <a:pPr/>
             <a:r>
               <a:t>I am</a:t>
             </a:r>
           </a:p>
           <a:p>
-            <a:pPr lvl="1" marL="998149" indent="-580319" defTabSz="772239">
-              <a:defRPr sz="4700"/>
-            </a:pPr>
+            <a:pPr lvl="1"/>
             <a:r>
               <a:t>Australian-born and American-raised by Vietnamese parents of Vietnamese and Chinese descent</a:t>
             </a:r>
           </a:p>
           <a:p>
-            <a:pPr lvl="1" marL="998149" indent="-580319" defTabSz="772239">
-              <a:defRPr sz="4700"/>
-            </a:pPr>
+            <a:pPr lvl="1"/>
             <a:r>
               <a:t>married, with 2 children</a:t>
             </a:r>
           </a:p>
           <a:p>
-            <a:pPr lvl="1" marL="998149" indent="-580319" defTabSz="772239">
-              <a:defRPr sz="4700"/>
-            </a:pPr>
+            <a:pPr lvl="1"/>
             <a:r>
               <a:t>Christian</a:t>
             </a:r>
           </a:p>
           <a:p>
-            <a:pPr lvl="1" marL="998149" indent="-580319" defTabSz="772239">
-              <a:defRPr sz="4700"/>
-            </a:pPr>
+            <a:pPr lvl="1"/>
             <a:r>
               <a:t>incredibly blessed!</a:t>
             </a:r>
@@ -5706,38 +5605,26 @@
                                   </p:childTnLst>
                                 </p:cTn>
                               </p:par>
+                            </p:childTnLst>
+                          </p:cTn>
+                        </p:par>
+                      </p:childTnLst>
+                    </p:cTn>
+                  </p:par>
+                  <p:par>
+                    <p:cTn id="19" fill="hold">
+                      <p:stCondLst>
+                        <p:cond delay="indefinite"/>
+                      </p:stCondLst>
+                      <p:childTnLst>
+                        <p:par>
+                          <p:cTn id="20" fill="hold">
+                            <p:stCondLst>
+                              <p:cond delay="0"/>
+                            </p:stCondLst>
+                            <p:childTnLst>
                               <p:par>
-                                <p:cTn id="19" presetClass="entr" nodeType="withEffect" presetSubtype="0" presetID="1" grpId="1" fill="hold">
-                                  <p:stCondLst>
-                                    <p:cond delay="0"/>
-                                  </p:stCondLst>
-                                  <p:iterate type="el" backwards="0">
-                                    <p:tmAbs val="0"/>
-                                  </p:iterate>
-                                  <p:childTnLst>
-                                    <p:set>
-                                      <p:cBhvr>
-                                        <p:cTn id="20" fill="hold"/>
-                                        <p:tgtEl>
-                                          <p:spTgt spid="197">
-                                            <p:txEl>
-                                              <p:pRg st="6" end="6"/>
-                                            </p:txEl>
-                                          </p:spTgt>
-                                        </p:tgtEl>
-                                        <p:attrNameLst>
-                                          <p:attrName>style.visibility</p:attrName>
-                                        </p:attrNameLst>
-                                      </p:cBhvr>
-                                      <p:to>
-                                        <p:strVal val="visible"/>
-                                      </p:to>
-                                    </p:set>
-                                  </p:childTnLst>
-                                </p:cTn>
-                              </p:par>
-                              <p:par>
-                                <p:cTn id="21" presetClass="entr" nodeType="withEffect" presetSubtype="0" presetID="1" grpId="1" fill="hold">
+                                <p:cTn id="21" presetClass="entr" nodeType="clickEffect" presetSubtype="0" presetID="1" grpId="1" fill="hold">
                                   <p:stCondLst>
                                     <p:cond delay="0"/>
                                   </p:stCondLst>
@@ -5751,37 +5638,7 @@
                                         <p:tgtEl>
                                           <p:spTgt spid="197">
                                             <p:txEl>
-                                              <p:pRg st="7" end="7"/>
-                                            </p:txEl>
-                                          </p:spTgt>
-                                        </p:tgtEl>
-                                        <p:attrNameLst>
-                                          <p:attrName>style.visibility</p:attrName>
-                                        </p:attrNameLst>
-                                      </p:cBhvr>
-                                      <p:to>
-                                        <p:strVal val="visible"/>
-                                      </p:to>
-                                    </p:set>
-                                  </p:childTnLst>
-                                </p:cTn>
-                              </p:par>
-                              <p:par>
-                                <p:cTn id="23" presetClass="entr" nodeType="withEffect" presetSubtype="0" presetID="1" grpId="1" fill="hold">
-                                  <p:stCondLst>
-                                    <p:cond delay="0"/>
-                                  </p:stCondLst>
-                                  <p:iterate type="el" backwards="0">
-                                    <p:tmAbs val="0"/>
-                                  </p:iterate>
-                                  <p:childTnLst>
-                                    <p:set>
-                                      <p:cBhvr>
-                                        <p:cTn id="24" fill="hold"/>
-                                        <p:tgtEl>
-                                          <p:spTgt spid="197">
-                                            <p:txEl>
-                                              <p:pRg st="8" end="8"/>
+                                              <p:pRg st="6" end="6"/>
                                             </p:txEl>
                                           </p:spTgt>
                                         </p:tgtEl>
@@ -5803,19 +5660,49 @@
                     </p:cTn>
                   </p:par>
                   <p:par>
-                    <p:cTn id="25" fill="hold">
+                    <p:cTn id="23" fill="hold">
                       <p:stCondLst>
                         <p:cond delay="indefinite"/>
                       </p:stCondLst>
                       <p:childTnLst>
                         <p:par>
-                          <p:cTn id="26" fill="hold">
+                          <p:cTn id="24" fill="hold">
                             <p:stCondLst>
                               <p:cond delay="0"/>
                             </p:stCondLst>
                             <p:childTnLst>
                               <p:par>
-                                <p:cTn id="27" presetClass="entr" nodeType="clickEffect" presetSubtype="0" presetID="1" grpId="1" fill="hold">
+                                <p:cTn id="25" presetClass="entr" nodeType="clickEffect" presetSubtype="0" presetID="1" grpId="1" fill="hold">
+                                  <p:stCondLst>
+                                    <p:cond delay="0"/>
+                                  </p:stCondLst>
+                                  <p:iterate type="el" backwards="0">
+                                    <p:tmAbs val="0"/>
+                                  </p:iterate>
+                                  <p:childTnLst>
+                                    <p:set>
+                                      <p:cBhvr>
+                                        <p:cTn id="26" fill="hold"/>
+                                        <p:tgtEl>
+                                          <p:spTgt spid="197">
+                                            <p:txEl>
+                                              <p:pRg st="7" end="7"/>
+                                            </p:txEl>
+                                          </p:spTgt>
+                                        </p:tgtEl>
+                                        <p:attrNameLst>
+                                          <p:attrName>style.visibility</p:attrName>
+                                        </p:attrNameLst>
+                                      </p:cBhvr>
+                                      <p:to>
+                                        <p:strVal val="visible"/>
+                                      </p:to>
+                                    </p:set>
+                                  </p:childTnLst>
+                                </p:cTn>
+                              </p:par>
+                              <p:par>
+                                <p:cTn id="27" presetClass="entr" nodeType="withEffect" presetSubtype="0" presetID="1" grpId="1" fill="hold">
                                   <p:stCondLst>
                                     <p:cond delay="0"/>
                                   </p:stCondLst>
@@ -5829,7 +5716,7 @@
                                         <p:tgtEl>
                                           <p:spTgt spid="197">
                                             <p:txEl>
-                                              <p:pRg st="9" end="9"/>
+                                              <p:pRg st="8" end="8"/>
                                             </p:txEl>
                                           </p:spTgt>
                                         </p:tgtEl>
@@ -5859,6 +5746,54 @@
                                         <p:tgtEl>
                                           <p:spTgt spid="197">
                                             <p:txEl>
+                                              <p:pRg st="9" end="9"/>
+                                            </p:txEl>
+                                          </p:spTgt>
+                                        </p:tgtEl>
+                                        <p:attrNameLst>
+                                          <p:attrName>style.visibility</p:attrName>
+                                        </p:attrNameLst>
+                                      </p:cBhvr>
+                                      <p:to>
+                                        <p:strVal val="visible"/>
+                                      </p:to>
+                                    </p:set>
+                                  </p:childTnLst>
+                                </p:cTn>
+                              </p:par>
+                            </p:childTnLst>
+                          </p:cTn>
+                        </p:par>
+                      </p:childTnLst>
+                    </p:cTn>
+                  </p:par>
+                  <p:par>
+                    <p:cTn id="31" fill="hold">
+                      <p:stCondLst>
+                        <p:cond delay="indefinite"/>
+                      </p:stCondLst>
+                      <p:childTnLst>
+                        <p:par>
+                          <p:cTn id="32" fill="hold">
+                            <p:stCondLst>
+                              <p:cond delay="0"/>
+                            </p:stCondLst>
+                            <p:childTnLst>
+                              <p:par>
+                                <p:cTn id="33" presetClass="entr" nodeType="clickEffect" presetSubtype="0" presetID="1" grpId="1" fill="hold">
+                                  <p:stCondLst>
+                                    <p:cond delay="0"/>
+                                  </p:stCondLst>
+                                  <p:iterate type="el" backwards="0">
+                                    <p:tmAbs val="0"/>
+                                  </p:iterate>
+                                  <p:childTnLst>
+                                    <p:set>
+                                      <p:cBhvr>
+                                        <p:cTn id="34" fill="hold"/>
+                                        <p:tgtEl>
+                                          <p:spTgt spid="197">
+                                            <p:txEl>
                                               <p:pRg st="10" end="10"/>
                                             </p:txEl>
                                           </p:spTgt>
@@ -5874,8 +5809,26 @@
                                   </p:childTnLst>
                                 </p:cTn>
                               </p:par>
+                            </p:childTnLst>
+                          </p:cTn>
+                        </p:par>
+                      </p:childTnLst>
+                    </p:cTn>
+                  </p:par>
+                  <p:par>
+                    <p:cTn id="35" fill="hold">
+                      <p:stCondLst>
+                        <p:cond delay="indefinite"/>
+                      </p:stCondLst>
+                      <p:childTnLst>
+                        <p:par>
+                          <p:cTn id="36" fill="hold">
+                            <p:stCondLst>
+                              <p:cond delay="0"/>
+                            </p:stCondLst>
+                            <p:childTnLst>
                               <p:par>
-                                <p:cTn id="31" presetClass="entr" nodeType="withEffect" presetSubtype="0" presetID="1" grpId="1" fill="hold">
+                                <p:cTn id="37" presetClass="entr" nodeType="clickEffect" presetSubtype="0" presetID="1" grpId="1" fill="hold">
                                   <p:stCondLst>
                                     <p:cond delay="0"/>
                                   </p:stCondLst>
@@ -5885,7 +5838,7 @@
                                   <p:childTnLst>
                                     <p:set>
                                       <p:cBhvr>
-                                        <p:cTn id="32" fill="hold"/>
+                                        <p:cTn id="38" fill="hold"/>
                                         <p:tgtEl>
                                           <p:spTgt spid="197">
                                             <p:txEl>
@@ -5905,7 +5858,7 @@
                                 </p:cTn>
                               </p:par>
                               <p:par>
-                                <p:cTn id="33" presetClass="entr" nodeType="withEffect" presetSubtype="0" presetID="1" grpId="1" fill="hold">
+                                <p:cTn id="39" presetClass="entr" nodeType="withEffect" presetSubtype="0" presetID="1" grpId="1" fill="hold">
                                   <p:stCondLst>
                                     <p:cond delay="0"/>
                                   </p:stCondLst>
@@ -5915,7 +5868,7 @@
                                   <p:childTnLst>
                                     <p:set>
                                       <p:cBhvr>
-                                        <p:cTn id="34" fill="hold"/>
+                                        <p:cTn id="40" fill="hold"/>
                                         <p:tgtEl>
                                           <p:spTgt spid="197">
                                             <p:txEl>
@@ -5935,7 +5888,7 @@
                                 </p:cTn>
                               </p:par>
                               <p:par>
-                                <p:cTn id="35" presetClass="entr" nodeType="withEffect" presetSubtype="0" presetID="1" grpId="1" fill="hold">
+                                <p:cTn id="41" presetClass="entr" nodeType="withEffect" presetSubtype="0" presetID="1" grpId="1" fill="hold">
                                   <p:stCondLst>
                                     <p:cond delay="0"/>
                                   </p:stCondLst>
@@ -5945,11 +5898,71 @@
                                   <p:childTnLst>
                                     <p:set>
                                       <p:cBhvr>
-                                        <p:cTn id="36" fill="hold"/>
+                                        <p:cTn id="42" fill="hold"/>
                                         <p:tgtEl>
                                           <p:spTgt spid="197">
                                             <p:txEl>
                                               <p:pRg st="13" end="13"/>
+                                            </p:txEl>
+                                          </p:spTgt>
+                                        </p:tgtEl>
+                                        <p:attrNameLst>
+                                          <p:attrName>style.visibility</p:attrName>
+                                        </p:attrNameLst>
+                                      </p:cBhvr>
+                                      <p:to>
+                                        <p:strVal val="visible"/>
+                                      </p:to>
+                                    </p:set>
+                                  </p:childTnLst>
+                                </p:cTn>
+                              </p:par>
+                              <p:par>
+                                <p:cTn id="43" presetClass="entr" nodeType="withEffect" presetSubtype="0" presetID="1" grpId="1" fill="hold">
+                                  <p:stCondLst>
+                                    <p:cond delay="0"/>
+                                  </p:stCondLst>
+                                  <p:iterate type="el" backwards="0">
+                                    <p:tmAbs val="0"/>
+                                  </p:iterate>
+                                  <p:childTnLst>
+                                    <p:set>
+                                      <p:cBhvr>
+                                        <p:cTn id="44" fill="hold"/>
+                                        <p:tgtEl>
+                                          <p:spTgt spid="197">
+                                            <p:txEl>
+                                              <p:pRg st="14" end="14"/>
+                                            </p:txEl>
+                                          </p:spTgt>
+                                        </p:tgtEl>
+                                        <p:attrNameLst>
+                                          <p:attrName>style.visibility</p:attrName>
+                                        </p:attrNameLst>
+                                      </p:cBhvr>
+                                      <p:to>
+                                        <p:strVal val="visible"/>
+                                      </p:to>
+                                    </p:set>
+                                  </p:childTnLst>
+                                </p:cTn>
+                              </p:par>
+                              <p:par>
+                                <p:cTn id="45" presetClass="entr" nodeType="withEffect" presetSubtype="0" presetID="1" grpId="1" fill="hold">
+                                  <p:stCondLst>
+                                    <p:cond delay="0"/>
+                                  </p:stCondLst>
+                                  <p:iterate type="el" backwards="0">
+                                    <p:tmAbs val="0"/>
+                                  </p:iterate>
+                                  <p:childTnLst>
+                                    <p:set>
+                                      <p:cBhvr>
+                                        <p:cTn id="46" fill="hold"/>
+                                        <p:tgtEl>
+                                          <p:spTgt spid="197">
+                                            <p:txEl>
+                                              <p:pRg st="15" end="15"/>
                                             </p:txEl>
                                           </p:spTgt>
                                         </p:tgtEl>
@@ -6146,7 +6159,7 @@
       </p:grpSpPr>
       <p:sp>
         <p:nvSpPr>
-          <p:cNvPr id="204" name="Google Drive Folder Link Setup"/>
+          <p:cNvPr id="204" name="Google Drive Folder Setup"/>
           <p:cNvSpPr txBox="1"/>
           <p:nvPr>
             <p:ph type="title"/>
@@ -6163,7 +6176,7 @@
           <a:p>
             <a:pPr/>
             <a:r>
-              <a:t>Google Drive Folder Link Setup</a:t>
+              <a:t>Google Drive Folder Setup</a:t>
             </a:r>
           </a:p>
         </p:txBody>
@@ -6194,38 +6207,9 @@
           <a:chExt cx="0" cy="0"/>
         </a:xfrm>
       </p:grpSpPr>
-      <p:pic>
-        <p:nvPicPr>
-          <p:cNvPr id="206" name="Image" descr="Image"/>
-          <p:cNvPicPr>
-            <a:picLocks noChangeAspect="1"/>
-          </p:cNvPicPr>
-          <p:nvPr>
-            <p:ph type="pic" idx="21"/>
-          </p:nvPr>
-        </p:nvPicPr>
-        <p:blipFill>
-          <a:blip r:embed="rId2">
-            <a:extLst/>
-          </a:blip>
-          <a:srcRect l="18473" t="0" r="18473" b="0"/>
-          <a:stretch>
-            <a:fillRect/>
-          </a:stretch>
-        </p:blipFill>
-        <p:spPr>
-          <a:xfrm>
-            <a:off x="0" y="-243"/>
-            <a:ext cx="11638256" cy="13716516"/>
-          </a:xfrm>
-          <a:prstGeom prst="rect">
-            <a:avLst/>
-          </a:prstGeom>
-        </p:spPr>
-      </p:pic>
       <p:sp>
         <p:nvSpPr>
-          <p:cNvPr id="207" name="Log in to Google Drive.…"/>
+          <p:cNvPr id="206" name="Log in to Google Drive. This can be a school account or a personal account.…"/>
           <p:cNvSpPr txBox="1"/>
           <p:nvPr>
             <p:ph type="body" idx="1"/>
@@ -6246,25 +6230,19 @@
           <a:p>
             <a:pPr/>
             <a:r>
-              <a:t>Log in to Google Drive.</a:t>
-            </a:r>
-          </a:p>
-          <a:p>
-            <a:pPr/>
-            <a:r>
-              <a:t>Find the folder that I have shared with you under “Shared with me”. </a:t>
-            </a:r>
-          </a:p>
-          <a:p>
-            <a:pPr lvl="1"/>
-            <a:r>
-              <a:t>Here, I am creating a link to a folder called “WCRCYPS”, but you will link to a folder with your IIT user name that I shared with you. </a:t>
-            </a:r>
-          </a:p>
-          <a:p>
-            <a:pPr lvl="1"/>
-            <a:r>
-              <a:t>If I have not shared a link to the folder with you,  then email me and ask me to do so.</a:t>
+              <a:t>Log in to Google Drive. This can be a school account or a personal account.</a:t>
+            </a:r>
+          </a:p>
+          <a:p>
+            <a:pPr/>
+            <a:r>
+              <a:t>Create a folder for this class called “Chem456-2024F”</a:t>
+            </a:r>
+          </a:p>
+          <a:p>
+            <a:pPr/>
+            <a:r>
+              <a:t>Create the subfolders “exercises” and “quizzes”</a:t>
             </a:r>
           </a:p>
           <a:p>
@@ -6276,11 +6254,64 @@
           <a:p>
             <a:pPr/>
             <a:r>
-              <a:t>Select “Add shortcut to Drive”.</a:t>
+              <a:t>Select “Share”</a:t>
+            </a:r>
+          </a:p>
+          <a:p>
+            <a:pPr/>
+            <a:r>
+              <a:t>Share the folder with me, </a:t>
+            </a:r>
+            <a:r>
+              <a:rPr u="sng">
+                <a:hlinkClick r:id="rId2" invalidUrl="" action="" tgtFrame="" tooltip="" history="1" highlightClick="0" endSnd="0"/>
+              </a:rPr>
+              <a:t>dminh@iit.edu</a:t>
+            </a:r>
+            <a:r>
+              <a:t>, and the TA, </a:t>
+            </a:r>
+            <a:r>
+              <a:rPr u="sng">
+                <a:hlinkClick r:id="rId3" invalidUrl="" action="" tgtFrame="" tooltip="" history="1" highlightClick="0" endSnd="0"/>
+              </a:rPr>
+              <a:t>tnguyen48@hawk.iit.edu</a:t>
+            </a:r>
+            <a:r>
+              <a:t>.</a:t>
             </a:r>
           </a:p>
         </p:txBody>
       </p:sp>
+      <p:pic>
+        <p:nvPicPr>
+          <p:cNvPr id="207" name="pasted-movie.png" descr="pasted-movie.png"/>
+          <p:cNvPicPr>
+            <a:picLocks noChangeAspect="1"/>
+          </p:cNvPicPr>
+          <p:nvPr/>
+        </p:nvPicPr>
+        <p:blipFill>
+          <a:blip r:embed="rId4">
+            <a:extLst/>
+          </a:blip>
+          <a:stretch>
+            <a:fillRect/>
+          </a:stretch>
+        </p:blipFill>
+        <p:spPr>
+          <a:xfrm>
+            <a:off x="329584" y="3835399"/>
+            <a:ext cx="10350501" cy="6045201"/>
+          </a:xfrm>
+          <a:prstGeom prst="rect">
+            <a:avLst/>
+          </a:prstGeom>
+          <a:ln w="12700">
+            <a:miter lim="400000"/>
+          </a:ln>
+        </p:spPr>
+      </p:pic>
     </p:spTree>
   </p:cSld>
   <p:clrMapOvr>

--- a/slides/08-26-Introduction.pptx
+++ b/slides/08-26-Introduction.pptx
@@ -3908,7 +3908,7 @@
         <p:spPr>
           <a:xfrm>
             <a:off x="7241118" y="6581145"/>
-            <a:ext cx="17148444" cy="7134613"/>
+            <a:ext cx="17148444" cy="7134614"/>
           </a:xfrm>
           <a:prstGeom prst="rect">
             <a:avLst/>
@@ -4635,7 +4635,7 @@
       </p:sp>
       <p:sp>
         <p:nvSpPr>
-          <p:cNvPr id="191" name="Coauthored 50 peer-reviewed journal articles…"/>
+          <p:cNvPr id="191" name="Coauthored 56 peer-reviewed journal articles…"/>
           <p:cNvSpPr txBox="1"/>
           <p:nvPr>
             <p:ph type="body" sz="half" idx="4294967295"/>
@@ -4658,7 +4658,7 @@
               <a:defRPr sz="4600"/>
             </a:pPr>
             <a:r>
-              <a:t>Coauthored 50 peer-reviewed journal articles</a:t>
+              <a:t>Coauthored 56 peer-reviewed journal articles</a:t>
             </a:r>
           </a:p>
           <a:p>
@@ -4666,7 +4666,7 @@
               <a:defRPr sz="4600"/>
             </a:pPr>
             <a:r>
-              <a:t>Cited over 1250 times with an h-index of 19 (19 articles with at least 19 citations), according to Google scholar. </a:t>
+              <a:t>Cited over 1500 times with an h-index of 22, according to Google scholar. </a:t>
             </a:r>
           </a:p>
           <a:p>
@@ -4690,7 +4690,7 @@
               <a:defRPr sz="4600"/>
             </a:pPr>
             <a:r>
-              <a:t>predicting binding affinities</a:t>
+              <a:t>predicting binding affinities and ligand efficacy</a:t>
             </a:r>
           </a:p>
           <a:p>
@@ -4706,7 +4706,7 @@
               <a:defRPr sz="4600"/>
             </a:pPr>
             <a:r>
-              <a:t>Involved in virtual screening projects for antibiotic drug discovery</a:t>
+              <a:t>Involved in antibiotic drug discovery</a:t>
             </a:r>
           </a:p>
           <a:p>
@@ -4714,7 +4714,7 @@
               <a:defRPr sz="4600"/>
             </a:pPr>
             <a:r>
-              <a:t>research funded by NIH and NSF</a:t>
+              <a:t>research has been funded by NIH and NSF</a:t>
             </a:r>
           </a:p>
         </p:txBody>
@@ -4752,14 +4752,14 @@
       </p:sp>
       <p:sp>
         <p:nvSpPr>
-          <p:cNvPr id="193" name="Full curriculum vitae: http://mypages.iit.edu/~dminh/DavidMinh_CV.pdf"/>
+          <p:cNvPr id="193" name="Full curriculum vitae: https://ccbatiit.github.io/downloads/DavidMinh_CV.pdf"/>
           <p:cNvSpPr txBox="1"/>
           <p:nvPr/>
         </p:nvSpPr>
         <p:spPr>
           <a:xfrm>
-            <a:off x="8327068" y="12255367"/>
-            <a:ext cx="12949861" cy="625476"/>
+            <a:off x="7873729" y="12255367"/>
+            <a:ext cx="13856540" cy="625476"/>
           </a:xfrm>
           <a:prstGeom prst="rect">
             <a:avLst/>
@@ -4789,7 +4789,7 @@
               <a:rPr u="sng">
                 <a:hlinkClick r:id="rId2" invalidUrl="" action="" tgtFrame="" tooltip="" history="1" highlightClick="0" endSnd="0"/>
               </a:rPr>
-              <a:t>http://mypages.iit.edu/~dminh/DavidMinh_CV.pdf</a:t>
+              <a:t>https://ccbatiit.github.io/downloads/DavidMinh_CV.pdf</a:t>
             </a:r>
           </a:p>
         </p:txBody>
@@ -5257,56 +5257,50 @@
           <a:p>
             <a:pPr lvl="1"/>
             <a:r>
-              <a:t>play sports, especially Taekwondo, tennis, and basketball</a:t>
+              <a:t>play sports, especially Taekwondo, tennis, and basketball.</a:t>
             </a:r>
           </a:p>
           <a:p>
             <a:pPr lvl="1"/>
             <a:r>
-              <a:t>play chess and other games, especially strategy and word games</a:t>
+              <a:t>listen to podcasts and audiobooks. Some of my favorite podcasts are Hidden Brain and Planet Money from NPR.</a:t>
             </a:r>
           </a:p>
           <a:p>
             <a:pPr lvl="1"/>
             <a:r>
+              <a:t>play board games, especially strategy and word games.</a:t>
+            </a:r>
+          </a:p>
+          <a:p>
+            <a:pPr lvl="1"/>
+            <a:r>
+              <a:t>sometimes play music, especially classical piano. Sometimes I also play guitar and bass.</a:t>
+            </a:r>
+          </a:p>
+          <a:p>
+            <a:pPr lvl="1"/>
+            <a:r>
               <a:t>read news and sometimes books</a:t>
             </a:r>
           </a:p>
           <a:p>
             <a:pPr lvl="1"/>
             <a:r>
-              <a:t>listen to podcasts and audiobooks. Some of my favorite podcasts are Hidden Brain and Planet Money.</a:t>
+              <a:t>play video games</a:t>
             </a:r>
           </a:p>
           <a:p>
             <a:pPr lvl="1"/>
             <a:r>
+              <a:t>exercise, especially weights, swimming, biking, and skiing</a:t>
+            </a:r>
+          </a:p>
+          <a:p>
+            <a:pPr lvl="1"/>
+            <a:r>
               <a:t>travel. I’ve been to 6 continents</a:t>
             </a:r>
-          </a:p>
-          <a:p>
-            <a:pPr/>
-          </a:p>
-          <a:p>
-            <a:pPr/>
-            <a:r>
-              <a:t>I used to, but now not as often,</a:t>
-            </a:r>
-          </a:p>
-          <a:p>
-            <a:pPr lvl="1"/>
-            <a:r>
-              <a:t>play music</a:t>
-            </a:r>
-          </a:p>
-          <a:p>
-            <a:pPr lvl="1"/>
-            <a:r>
-              <a:t>play video games with my kids</a:t>
-            </a:r>
-          </a:p>
-          <a:p>
-            <a:pPr/>
           </a:p>
           <a:p>
             <a:pPr/>
@@ -5605,26 +5599,38 @@
                                   </p:childTnLst>
                                 </p:cTn>
                               </p:par>
-                            </p:childTnLst>
-                          </p:cTn>
-                        </p:par>
-                      </p:childTnLst>
-                    </p:cTn>
-                  </p:par>
-                  <p:par>
-                    <p:cTn id="19" fill="hold">
-                      <p:stCondLst>
-                        <p:cond delay="indefinite"/>
-                      </p:stCondLst>
-                      <p:childTnLst>
-                        <p:par>
-                          <p:cTn id="20" fill="hold">
-                            <p:stCondLst>
-                              <p:cond delay="0"/>
-                            </p:stCondLst>
-                            <p:childTnLst>
                               <p:par>
-                                <p:cTn id="21" presetClass="entr" nodeType="clickEffect" presetSubtype="0" presetID="1" grpId="1" fill="hold">
+                                <p:cTn id="19" presetClass="entr" nodeType="withEffect" presetSubtype="0" presetID="1" grpId="1" fill="hold">
+                                  <p:stCondLst>
+                                    <p:cond delay="0"/>
+                                  </p:stCondLst>
+                                  <p:iterate type="el" backwards="0">
+                                    <p:tmAbs val="0"/>
+                                  </p:iterate>
+                                  <p:childTnLst>
+                                    <p:set>
+                                      <p:cBhvr>
+                                        <p:cTn id="20" fill="hold"/>
+                                        <p:tgtEl>
+                                          <p:spTgt spid="197">
+                                            <p:txEl>
+                                              <p:pRg st="6" end="6"/>
+                                            </p:txEl>
+                                          </p:spTgt>
+                                        </p:tgtEl>
+                                        <p:attrNameLst>
+                                          <p:attrName>style.visibility</p:attrName>
+                                        </p:attrNameLst>
+                                      </p:cBhvr>
+                                      <p:to>
+                                        <p:strVal val="visible"/>
+                                      </p:to>
+                                    </p:set>
+                                  </p:childTnLst>
+                                </p:cTn>
+                              </p:par>
+                              <p:par>
+                                <p:cTn id="21" presetClass="entr" nodeType="withEffect" presetSubtype="0" presetID="1" grpId="1" fill="hold">
                                   <p:stCondLst>
                                     <p:cond delay="0"/>
                                   </p:stCondLst>
@@ -5638,7 +5644,37 @@
                                         <p:tgtEl>
                                           <p:spTgt spid="197">
                                             <p:txEl>
-                                              <p:pRg st="6" end="6"/>
+                                              <p:pRg st="7" end="7"/>
+                                            </p:txEl>
+                                          </p:spTgt>
+                                        </p:tgtEl>
+                                        <p:attrNameLst>
+                                          <p:attrName>style.visibility</p:attrName>
+                                        </p:attrNameLst>
+                                      </p:cBhvr>
+                                      <p:to>
+                                        <p:strVal val="visible"/>
+                                      </p:to>
+                                    </p:set>
+                                  </p:childTnLst>
+                                </p:cTn>
+                              </p:par>
+                              <p:par>
+                                <p:cTn id="23" presetClass="entr" nodeType="withEffect" presetSubtype="0" presetID="1" grpId="1" fill="hold">
+                                  <p:stCondLst>
+                                    <p:cond delay="0"/>
+                                  </p:stCondLst>
+                                  <p:iterate type="el" backwards="0">
+                                    <p:tmAbs val="0"/>
+                                  </p:iterate>
+                                  <p:childTnLst>
+                                    <p:set>
+                                      <p:cBhvr>
+                                        <p:cTn id="24" fill="hold"/>
+                                        <p:tgtEl>
+                                          <p:spTgt spid="197">
+                                            <p:txEl>
+                                              <p:pRg st="8" end="8"/>
                                             </p:txEl>
                                           </p:spTgt>
                                         </p:tgtEl>
@@ -5660,49 +5696,19 @@
                     </p:cTn>
                   </p:par>
                   <p:par>
-                    <p:cTn id="23" fill="hold">
+                    <p:cTn id="25" fill="hold">
                       <p:stCondLst>
                         <p:cond delay="indefinite"/>
                       </p:stCondLst>
                       <p:childTnLst>
                         <p:par>
-                          <p:cTn id="24" fill="hold">
+                          <p:cTn id="26" fill="hold">
                             <p:stCondLst>
                               <p:cond delay="0"/>
                             </p:stCondLst>
                             <p:childTnLst>
                               <p:par>
-                                <p:cTn id="25" presetClass="entr" nodeType="clickEffect" presetSubtype="0" presetID="1" grpId="1" fill="hold">
-                                  <p:stCondLst>
-                                    <p:cond delay="0"/>
-                                  </p:stCondLst>
-                                  <p:iterate type="el" backwards="0">
-                                    <p:tmAbs val="0"/>
-                                  </p:iterate>
-                                  <p:childTnLst>
-                                    <p:set>
-                                      <p:cBhvr>
-                                        <p:cTn id="26" fill="hold"/>
-                                        <p:tgtEl>
-                                          <p:spTgt spid="197">
-                                            <p:txEl>
-                                              <p:pRg st="7" end="7"/>
-                                            </p:txEl>
-                                          </p:spTgt>
-                                        </p:tgtEl>
-                                        <p:attrNameLst>
-                                          <p:attrName>style.visibility</p:attrName>
-                                        </p:attrNameLst>
-                                      </p:cBhvr>
-                                      <p:to>
-                                        <p:strVal val="visible"/>
-                                      </p:to>
-                                    </p:set>
-                                  </p:childTnLst>
-                                </p:cTn>
-                              </p:par>
-                              <p:par>
-                                <p:cTn id="27" presetClass="entr" nodeType="withEffect" presetSubtype="0" presetID="1" grpId="1" fill="hold">
+                                <p:cTn id="27" presetClass="entr" nodeType="clickEffect" presetSubtype="0" presetID="1" grpId="1" fill="hold">
                                   <p:stCondLst>
                                     <p:cond delay="0"/>
                                   </p:stCondLst>
@@ -5716,7 +5722,7 @@
                                         <p:tgtEl>
                                           <p:spTgt spid="197">
                                             <p:txEl>
-                                              <p:pRg st="8" end="8"/>
+                                              <p:pRg st="9" end="9"/>
                                             </p:txEl>
                                           </p:spTgt>
                                         </p:tgtEl>
@@ -5746,54 +5752,6 @@
                                         <p:tgtEl>
                                           <p:spTgt spid="197">
                                             <p:txEl>
-                                              <p:pRg st="9" end="9"/>
-                                            </p:txEl>
-                                          </p:spTgt>
-                                        </p:tgtEl>
-                                        <p:attrNameLst>
-                                          <p:attrName>style.visibility</p:attrName>
-                                        </p:attrNameLst>
-                                      </p:cBhvr>
-                                      <p:to>
-                                        <p:strVal val="visible"/>
-                                      </p:to>
-                                    </p:set>
-                                  </p:childTnLst>
-                                </p:cTn>
-                              </p:par>
-                            </p:childTnLst>
-                          </p:cTn>
-                        </p:par>
-                      </p:childTnLst>
-                    </p:cTn>
-                  </p:par>
-                  <p:par>
-                    <p:cTn id="31" fill="hold">
-                      <p:stCondLst>
-                        <p:cond delay="indefinite"/>
-                      </p:stCondLst>
-                      <p:childTnLst>
-                        <p:par>
-                          <p:cTn id="32" fill="hold">
-                            <p:stCondLst>
-                              <p:cond delay="0"/>
-                            </p:stCondLst>
-                            <p:childTnLst>
-                              <p:par>
-                                <p:cTn id="33" presetClass="entr" nodeType="clickEffect" presetSubtype="0" presetID="1" grpId="1" fill="hold">
-                                  <p:stCondLst>
-                                    <p:cond delay="0"/>
-                                  </p:stCondLst>
-                                  <p:iterate type="el" backwards="0">
-                                    <p:tmAbs val="0"/>
-                                  </p:iterate>
-                                  <p:childTnLst>
-                                    <p:set>
-                                      <p:cBhvr>
-                                        <p:cTn id="34" fill="hold"/>
-                                        <p:tgtEl>
-                                          <p:spTgt spid="197">
-                                            <p:txEl>
                                               <p:pRg st="10" end="10"/>
                                             </p:txEl>
                                           </p:spTgt>
@@ -5809,26 +5767,8 @@
                                   </p:childTnLst>
                                 </p:cTn>
                               </p:par>
-                            </p:childTnLst>
-                          </p:cTn>
-                        </p:par>
-                      </p:childTnLst>
-                    </p:cTn>
-                  </p:par>
-                  <p:par>
-                    <p:cTn id="35" fill="hold">
-                      <p:stCondLst>
-                        <p:cond delay="indefinite"/>
-                      </p:stCondLst>
-                      <p:childTnLst>
-                        <p:par>
-                          <p:cTn id="36" fill="hold">
-                            <p:stCondLst>
-                              <p:cond delay="0"/>
-                            </p:stCondLst>
-                            <p:childTnLst>
                               <p:par>
-                                <p:cTn id="37" presetClass="entr" nodeType="clickEffect" presetSubtype="0" presetID="1" grpId="1" fill="hold">
+                                <p:cTn id="31" presetClass="entr" nodeType="withEffect" presetSubtype="0" presetID="1" grpId="1" fill="hold">
                                   <p:stCondLst>
                                     <p:cond delay="0"/>
                                   </p:stCondLst>
@@ -5838,7 +5778,7 @@
                                   <p:childTnLst>
                                     <p:set>
                                       <p:cBhvr>
-                                        <p:cTn id="38" fill="hold"/>
+                                        <p:cTn id="32" fill="hold"/>
                                         <p:tgtEl>
                                           <p:spTgt spid="197">
                                             <p:txEl>
@@ -5858,7 +5798,7 @@
                                 </p:cTn>
                               </p:par>
                               <p:par>
-                                <p:cTn id="39" presetClass="entr" nodeType="withEffect" presetSubtype="0" presetID="1" grpId="1" fill="hold">
+                                <p:cTn id="33" presetClass="entr" nodeType="withEffect" presetSubtype="0" presetID="1" grpId="1" fill="hold">
                                   <p:stCondLst>
                                     <p:cond delay="0"/>
                                   </p:stCondLst>
@@ -5868,7 +5808,7 @@
                                   <p:childTnLst>
                                     <p:set>
                                       <p:cBhvr>
-                                        <p:cTn id="40" fill="hold"/>
+                                        <p:cTn id="34" fill="hold"/>
                                         <p:tgtEl>
                                           <p:spTgt spid="197">
                                             <p:txEl>
@@ -5888,7 +5828,7 @@
                                 </p:cTn>
                               </p:par>
                               <p:par>
-                                <p:cTn id="41" presetClass="entr" nodeType="withEffect" presetSubtype="0" presetID="1" grpId="1" fill="hold">
+                                <p:cTn id="35" presetClass="entr" nodeType="withEffect" presetSubtype="0" presetID="1" grpId="1" fill="hold">
                                   <p:stCondLst>
                                     <p:cond delay="0"/>
                                   </p:stCondLst>
@@ -5898,71 +5838,11 @@
                                   <p:childTnLst>
                                     <p:set>
                                       <p:cBhvr>
-                                        <p:cTn id="42" fill="hold"/>
+                                        <p:cTn id="36" fill="hold"/>
                                         <p:tgtEl>
                                           <p:spTgt spid="197">
                                             <p:txEl>
                                               <p:pRg st="13" end="13"/>
-                                            </p:txEl>
-                                          </p:spTgt>
-                                        </p:tgtEl>
-                                        <p:attrNameLst>
-                                          <p:attrName>style.visibility</p:attrName>
-                                        </p:attrNameLst>
-                                      </p:cBhvr>
-                                      <p:to>
-                                        <p:strVal val="visible"/>
-                                      </p:to>
-                                    </p:set>
-                                  </p:childTnLst>
-                                </p:cTn>
-                              </p:par>
-                              <p:par>
-                                <p:cTn id="43" presetClass="entr" nodeType="withEffect" presetSubtype="0" presetID="1" grpId="1" fill="hold">
-                                  <p:stCondLst>
-                                    <p:cond delay="0"/>
-                                  </p:stCondLst>
-                                  <p:iterate type="el" backwards="0">
-                                    <p:tmAbs val="0"/>
-                                  </p:iterate>
-                                  <p:childTnLst>
-                                    <p:set>
-                                      <p:cBhvr>
-                                        <p:cTn id="44" fill="hold"/>
-                                        <p:tgtEl>
-                                          <p:spTgt spid="197">
-                                            <p:txEl>
-                                              <p:pRg st="14" end="14"/>
-                                            </p:txEl>
-                                          </p:spTgt>
-                                        </p:tgtEl>
-                                        <p:attrNameLst>
-                                          <p:attrName>style.visibility</p:attrName>
-                                        </p:attrNameLst>
-                                      </p:cBhvr>
-                                      <p:to>
-                                        <p:strVal val="visible"/>
-                                      </p:to>
-                                    </p:set>
-                                  </p:childTnLst>
-                                </p:cTn>
-                              </p:par>
-                              <p:par>
-                                <p:cTn id="45" presetClass="entr" nodeType="withEffect" presetSubtype="0" presetID="1" grpId="1" fill="hold">
-                                  <p:stCondLst>
-                                    <p:cond delay="0"/>
-                                  </p:stCondLst>
-                                  <p:iterate type="el" backwards="0">
-                                    <p:tmAbs val="0"/>
-                                  </p:iterate>
-                                  <p:childTnLst>
-                                    <p:set>
-                                      <p:cBhvr>
-                                        <p:cTn id="46" fill="hold"/>
-                                        <p:tgtEl>
-                                          <p:spTgt spid="197">
-                                            <p:txEl>
-                                              <p:pRg st="15" end="15"/>
                                             </p:txEl>
                                           </p:spTgt>
                                         </p:tgtEl>
@@ -6301,8 +6181,8 @@
         </p:blipFill>
         <p:spPr>
           <a:xfrm>
-            <a:off x="329584" y="3835399"/>
-            <a:ext cx="10350501" cy="6045201"/>
+            <a:off x="329584" y="3835400"/>
+            <a:ext cx="10350501" cy="6045200"/>
           </a:xfrm>
           <a:prstGeom prst="rect">
             <a:avLst/>
